--- a/Docs/meeting7.8.pptx
+++ b/Docs/meeting7.8.pptx
@@ -271,7 +271,7 @@
           <a:p>
             <a:fld id="{738AFA83-5ABB-4816-B92B-D3A94BD24D16}" type="datetimeFigureOut">
               <a:rPr lang="en-US" smtClean="0"/>
-              <a:t>7/8/2020</a:t>
+              <a:t>7/31/2020</a:t>
             </a:fld>
             <a:endParaRPr lang="en-US"/>
           </a:p>
@@ -471,7 +471,7 @@
           <a:p>
             <a:fld id="{738AFA83-5ABB-4816-B92B-D3A94BD24D16}" type="datetimeFigureOut">
               <a:rPr lang="en-US" smtClean="0"/>
-              <a:t>7/8/2020</a:t>
+              <a:t>7/31/2020</a:t>
             </a:fld>
             <a:endParaRPr lang="en-US"/>
           </a:p>
@@ -681,7 +681,7 @@
           <a:p>
             <a:fld id="{738AFA83-5ABB-4816-B92B-D3A94BD24D16}" type="datetimeFigureOut">
               <a:rPr lang="en-US" smtClean="0"/>
-              <a:t>7/8/2020</a:t>
+              <a:t>7/31/2020</a:t>
             </a:fld>
             <a:endParaRPr lang="en-US"/>
           </a:p>
@@ -881,7 +881,7 @@
           <a:p>
             <a:fld id="{738AFA83-5ABB-4816-B92B-D3A94BD24D16}" type="datetimeFigureOut">
               <a:rPr lang="en-US" smtClean="0"/>
-              <a:t>7/8/2020</a:t>
+              <a:t>7/31/2020</a:t>
             </a:fld>
             <a:endParaRPr lang="en-US"/>
           </a:p>
@@ -1157,7 +1157,7 @@
           <a:p>
             <a:fld id="{738AFA83-5ABB-4816-B92B-D3A94BD24D16}" type="datetimeFigureOut">
               <a:rPr lang="en-US" smtClean="0"/>
-              <a:t>7/8/2020</a:t>
+              <a:t>7/31/2020</a:t>
             </a:fld>
             <a:endParaRPr lang="en-US"/>
           </a:p>
@@ -1425,7 +1425,7 @@
           <a:p>
             <a:fld id="{738AFA83-5ABB-4816-B92B-D3A94BD24D16}" type="datetimeFigureOut">
               <a:rPr lang="en-US" smtClean="0"/>
-              <a:t>7/8/2020</a:t>
+              <a:t>7/31/2020</a:t>
             </a:fld>
             <a:endParaRPr lang="en-US"/>
           </a:p>
@@ -1840,7 +1840,7 @@
           <a:p>
             <a:fld id="{738AFA83-5ABB-4816-B92B-D3A94BD24D16}" type="datetimeFigureOut">
               <a:rPr lang="en-US" smtClean="0"/>
-              <a:t>7/8/2020</a:t>
+              <a:t>7/31/2020</a:t>
             </a:fld>
             <a:endParaRPr lang="en-US"/>
           </a:p>
@@ -1982,7 +1982,7 @@
           <a:p>
             <a:fld id="{738AFA83-5ABB-4816-B92B-D3A94BD24D16}" type="datetimeFigureOut">
               <a:rPr lang="en-US" smtClean="0"/>
-              <a:t>7/8/2020</a:t>
+              <a:t>7/31/2020</a:t>
             </a:fld>
             <a:endParaRPr lang="en-US"/>
           </a:p>
@@ -2095,7 +2095,7 @@
           <a:p>
             <a:fld id="{738AFA83-5ABB-4816-B92B-D3A94BD24D16}" type="datetimeFigureOut">
               <a:rPr lang="en-US" smtClean="0"/>
-              <a:t>7/8/2020</a:t>
+              <a:t>7/31/2020</a:t>
             </a:fld>
             <a:endParaRPr lang="en-US"/>
           </a:p>
@@ -2408,7 +2408,7 @@
           <a:p>
             <a:fld id="{738AFA83-5ABB-4816-B92B-D3A94BD24D16}" type="datetimeFigureOut">
               <a:rPr lang="en-US" smtClean="0"/>
-              <a:t>7/8/2020</a:t>
+              <a:t>7/31/2020</a:t>
             </a:fld>
             <a:endParaRPr lang="en-US"/>
           </a:p>
@@ -2697,7 +2697,7 @@
           <a:p>
             <a:fld id="{738AFA83-5ABB-4816-B92B-D3A94BD24D16}" type="datetimeFigureOut">
               <a:rPr lang="en-US" smtClean="0"/>
-              <a:t>7/8/2020</a:t>
+              <a:t>7/31/2020</a:t>
             </a:fld>
             <a:endParaRPr lang="en-US"/>
           </a:p>
@@ -2940,7 +2940,7 @@
           <a:p>
             <a:fld id="{738AFA83-5ABB-4816-B92B-D3A94BD24D16}" type="datetimeFigureOut">
               <a:rPr lang="en-US" smtClean="0"/>
-              <a:t>7/8/2020</a:t>
+              <a:t>7/31/2020</a:t>
             </a:fld>
             <a:endParaRPr lang="en-US"/>
           </a:p>
@@ -5916,42 +5916,10 @@
       </p:grpSpPr>
       <p:sp>
         <p:nvSpPr>
-          <p:cNvPr id="2" name="标题 1">
-            <a:extLst>
-              <a:ext uri="{FF2B5EF4-FFF2-40B4-BE49-F238E27FC236}">
-                <a16:creationId xmlns:a16="http://schemas.microsoft.com/office/drawing/2014/main" id="{D7F6B169-362F-435E-88AF-BC21570E2F48}"/>
-              </a:ext>
-            </a:extLst>
-          </p:cNvPr>
-          <p:cNvSpPr>
-            <a:spLocks noGrp="1"/>
-          </p:cNvSpPr>
-          <p:nvPr>
-            <p:ph type="title"/>
-          </p:nvPr>
-        </p:nvSpPr>
-        <p:spPr/>
-        <p:txBody>
-          <a:bodyPr/>
-          <a:lstStyle/>
-          <a:p>
-            <a:r>
-              <a:rPr lang="en-US" dirty="0" err="1"/>
-              <a:t>DynPrvDriver</a:t>
-            </a:r>
-            <a:r>
-              <a:rPr lang="en-US" dirty="0"/>
-              <a:t> – compute layer</a:t>
-            </a:r>
-          </a:p>
-        </p:txBody>
-      </p:sp>
-      <p:sp>
-        <p:nvSpPr>
-          <p:cNvPr id="4" name="立方体 3">
-            <a:extLst>
-              <a:ext uri="{FF2B5EF4-FFF2-40B4-BE49-F238E27FC236}">
-                <a16:creationId xmlns:a16="http://schemas.microsoft.com/office/drawing/2014/main" id="{ABDEB776-7DA4-4370-A434-C82222D5EB28}"/>
+          <p:cNvPr id="33" name="立方体 32">
+            <a:extLst>
+              <a:ext uri="{FF2B5EF4-FFF2-40B4-BE49-F238E27FC236}">
+                <a16:creationId xmlns:a16="http://schemas.microsoft.com/office/drawing/2014/main" id="{EC0473C9-268E-4BC0-B949-27E776E36FF9}"/>
               </a:ext>
             </a:extLst>
           </p:cNvPr>
@@ -5960,8 +5928,8 @@
         </p:nvSpPr>
         <p:spPr>
           <a:xfrm>
-            <a:off x="914400" y="4059798"/>
-            <a:ext cx="1963270" cy="1963271"/>
+            <a:off x="507626" y="1454530"/>
+            <a:ext cx="1423147" cy="1325563"/>
           </a:xfrm>
           <a:prstGeom prst="cube">
             <a:avLst>
@@ -5990,16 +5958,51 @@
           <a:lstStyle/>
           <a:p>
             <a:pPr algn="ctr"/>
-            <a:endParaRPr lang="en-US"/>
-          </a:p>
-        </p:txBody>
-      </p:sp>
-      <p:sp>
-        <p:nvSpPr>
-          <p:cNvPr id="5" name="立方体 4">
-            <a:extLst>
-              <a:ext uri="{FF2B5EF4-FFF2-40B4-BE49-F238E27FC236}">
-                <a16:creationId xmlns:a16="http://schemas.microsoft.com/office/drawing/2014/main" id="{ACF3861F-BE99-4993-84BB-39EA94393738}"/>
+            <a:r>
+              <a:rPr lang="en-US" dirty="0"/>
+              <a:t>Executor</a:t>
+            </a:r>
+          </a:p>
+        </p:txBody>
+      </p:sp>
+      <p:sp>
+        <p:nvSpPr>
+          <p:cNvPr id="2" name="标题 1">
+            <a:extLst>
+              <a:ext uri="{FF2B5EF4-FFF2-40B4-BE49-F238E27FC236}">
+                <a16:creationId xmlns:a16="http://schemas.microsoft.com/office/drawing/2014/main" id="{D7F6B169-362F-435E-88AF-BC21570E2F48}"/>
+              </a:ext>
+            </a:extLst>
+          </p:cNvPr>
+          <p:cNvSpPr>
+            <a:spLocks noGrp="1"/>
+          </p:cNvSpPr>
+          <p:nvPr>
+            <p:ph type="title"/>
+          </p:nvPr>
+        </p:nvSpPr>
+        <p:spPr/>
+        <p:txBody>
+          <a:bodyPr/>
+          <a:lstStyle/>
+          <a:p>
+            <a:r>
+              <a:rPr lang="en-US" dirty="0" err="1"/>
+              <a:t>DynPrvDriver</a:t>
+            </a:r>
+            <a:r>
+              <a:rPr lang="en-US" dirty="0"/>
+              <a:t> – compute layer</a:t>
+            </a:r>
+          </a:p>
+        </p:txBody>
+      </p:sp>
+      <p:sp>
+        <p:nvSpPr>
+          <p:cNvPr id="4" name="立方体 3">
+            <a:extLst>
+              <a:ext uri="{FF2B5EF4-FFF2-40B4-BE49-F238E27FC236}">
+                <a16:creationId xmlns:a16="http://schemas.microsoft.com/office/drawing/2014/main" id="{ABDEB776-7DA4-4370-A434-C82222D5EB28}"/>
               </a:ext>
             </a:extLst>
           </p:cNvPr>
@@ -6008,7 +6011,7 @@
         </p:nvSpPr>
         <p:spPr>
           <a:xfrm>
-            <a:off x="1066800" y="4212198"/>
+            <a:off x="914400" y="4059798"/>
             <a:ext cx="1963270" cy="1963271"/>
           </a:xfrm>
           <a:prstGeom prst="cube">
@@ -6044,10 +6047,10 @@
       </p:sp>
       <p:sp>
         <p:nvSpPr>
-          <p:cNvPr id="6" name="立方体 5">
-            <a:extLst>
-              <a:ext uri="{FF2B5EF4-FFF2-40B4-BE49-F238E27FC236}">
-                <a16:creationId xmlns:a16="http://schemas.microsoft.com/office/drawing/2014/main" id="{3BC4FAC9-372C-4C89-8145-1A74D157DB3D}"/>
+          <p:cNvPr id="5" name="立方体 4">
+            <a:extLst>
+              <a:ext uri="{FF2B5EF4-FFF2-40B4-BE49-F238E27FC236}">
+                <a16:creationId xmlns:a16="http://schemas.microsoft.com/office/drawing/2014/main" id="{ACF3861F-BE99-4993-84BB-39EA94393738}"/>
               </a:ext>
             </a:extLst>
           </p:cNvPr>
@@ -6056,7 +6059,7 @@
         </p:nvSpPr>
         <p:spPr>
           <a:xfrm>
-            <a:off x="1219200" y="4364598"/>
+            <a:off x="1066800" y="4212198"/>
             <a:ext cx="1963270" cy="1963271"/>
           </a:xfrm>
           <a:prstGeom prst="cube">
@@ -6092,10 +6095,10 @@
       </p:sp>
       <p:sp>
         <p:nvSpPr>
-          <p:cNvPr id="7" name="立方体 6">
-            <a:extLst>
-              <a:ext uri="{FF2B5EF4-FFF2-40B4-BE49-F238E27FC236}">
-                <a16:creationId xmlns:a16="http://schemas.microsoft.com/office/drawing/2014/main" id="{26144887-1916-4B7A-AECD-AE8B633AEFD5}"/>
+          <p:cNvPr id="6" name="立方体 5">
+            <a:extLst>
+              <a:ext uri="{FF2B5EF4-FFF2-40B4-BE49-F238E27FC236}">
+                <a16:creationId xmlns:a16="http://schemas.microsoft.com/office/drawing/2014/main" id="{3BC4FAC9-372C-4C89-8145-1A74D157DB3D}"/>
               </a:ext>
             </a:extLst>
           </p:cNvPr>
@@ -6104,7 +6107,7 @@
         </p:nvSpPr>
         <p:spPr>
           <a:xfrm>
-            <a:off x="1371600" y="4516998"/>
+            <a:off x="1219200" y="4364598"/>
             <a:ext cx="1963270" cy="1963271"/>
           </a:xfrm>
           <a:prstGeom prst="cube">
@@ -6134,19 +6137,16 @@
           <a:lstStyle/>
           <a:p>
             <a:pPr algn="ctr"/>
-            <a:r>
-              <a:rPr lang="en-US" dirty="0"/>
-              <a:t>Executor</a:t>
-            </a:r>
-          </a:p>
-        </p:txBody>
-      </p:sp>
-      <p:sp>
-        <p:nvSpPr>
-          <p:cNvPr id="8" name="立方体 7">
-            <a:extLst>
-              <a:ext uri="{FF2B5EF4-FFF2-40B4-BE49-F238E27FC236}">
-                <a16:creationId xmlns:a16="http://schemas.microsoft.com/office/drawing/2014/main" id="{7D7B90A9-3251-4378-B251-8106D45BA2DD}"/>
+            <a:endParaRPr lang="en-US"/>
+          </a:p>
+        </p:txBody>
+      </p:sp>
+      <p:sp>
+        <p:nvSpPr>
+          <p:cNvPr id="7" name="立方体 6">
+            <a:extLst>
+              <a:ext uri="{FF2B5EF4-FFF2-40B4-BE49-F238E27FC236}">
+                <a16:creationId xmlns:a16="http://schemas.microsoft.com/office/drawing/2014/main" id="{26144887-1916-4B7A-AECD-AE8B633AEFD5}"/>
               </a:ext>
             </a:extLst>
           </p:cNvPr>
@@ -6155,7 +6155,7 @@
         </p:nvSpPr>
         <p:spPr>
           <a:xfrm>
-            <a:off x="990600" y="1741208"/>
+            <a:off x="1371600" y="4516998"/>
             <a:ext cx="1963270" cy="1963271"/>
           </a:xfrm>
           <a:prstGeom prst="cube">
@@ -6187,6 +6187,57 @@
             <a:pPr algn="ctr"/>
             <a:r>
               <a:rPr lang="en-US" dirty="0"/>
+              <a:t>Executor</a:t>
+            </a:r>
+          </a:p>
+        </p:txBody>
+      </p:sp>
+      <p:sp>
+        <p:nvSpPr>
+          <p:cNvPr id="8" name="立方体 7">
+            <a:extLst>
+              <a:ext uri="{FF2B5EF4-FFF2-40B4-BE49-F238E27FC236}">
+                <a16:creationId xmlns:a16="http://schemas.microsoft.com/office/drawing/2014/main" id="{7D7B90A9-3251-4378-B251-8106D45BA2DD}"/>
+              </a:ext>
+            </a:extLst>
+          </p:cNvPr>
+          <p:cNvSpPr/>
+          <p:nvPr/>
+        </p:nvSpPr>
+        <p:spPr>
+          <a:xfrm>
+            <a:off x="990600" y="1741208"/>
+            <a:ext cx="1963270" cy="1963271"/>
+          </a:xfrm>
+          <a:prstGeom prst="cube">
+            <a:avLst>
+              <a:gd name="adj" fmla="val 6279"/>
+            </a:avLst>
+          </a:prstGeom>
+        </p:spPr>
+        <p:style>
+          <a:lnRef idx="2">
+            <a:schemeClr val="accent5">
+              <a:shade val="50000"/>
+            </a:schemeClr>
+          </a:lnRef>
+          <a:fillRef idx="1">
+            <a:schemeClr val="accent5"/>
+          </a:fillRef>
+          <a:effectRef idx="0">
+            <a:schemeClr val="accent5"/>
+          </a:effectRef>
+          <a:fontRef idx="minor">
+            <a:schemeClr val="lt1"/>
+          </a:fontRef>
+        </p:style>
+        <p:txBody>
+          <a:bodyPr rtlCol="0" anchor="ctr"/>
+          <a:lstStyle/>
+          <a:p>
+            <a:pPr algn="ctr"/>
+            <a:r>
+              <a:rPr lang="en-US" dirty="0"/>
               <a:t>Master</a:t>
             </a:r>
           </a:p>
@@ -7092,7 +7143,7 @@
         <p:spPr>
           <a:xfrm>
             <a:off x="3890565" y="4011982"/>
-            <a:ext cx="866006" cy="369332"/>
+            <a:ext cx="559705" cy="369332"/>
           </a:xfrm>
           <a:prstGeom prst="rect">
             <a:avLst/>
@@ -7107,7 +7158,7 @@
           <a:p>
             <a:r>
               <a:rPr lang="en-US" dirty="0"/>
-              <a:t>RESULT</a:t>
+              <a:t>ACK</a:t>
             </a:r>
           </a:p>
         </p:txBody>
@@ -7168,8 +7219,8 @@
         </p:nvSpPr>
         <p:spPr>
           <a:xfrm>
-            <a:off x="3535384" y="6052894"/>
-            <a:ext cx="3909406" cy="369332"/>
+            <a:off x="3487270" y="5960809"/>
+            <a:ext cx="3909406" cy="646331"/>
           </a:xfrm>
           <a:prstGeom prst="rect">
             <a:avLst/>
@@ -7182,9 +7233,17 @@
           </a:bodyPr>
           <a:lstStyle/>
           <a:p>
-            <a:r>
-              <a:rPr lang="en-US" dirty="0"/>
-              <a:t>EXECUTE(</a:t>
+            <a:pPr algn="ctr"/>
+            <a:r>
+              <a:rPr lang="en-US" dirty="0"/>
+              <a:t>EXECUTE</a:t>
+            </a:r>
+          </a:p>
+          <a:p>
+            <a:pPr algn="ctr"/>
+            <a:r>
+              <a:rPr lang="en-US" dirty="0"/>
+              <a:t>(</a:t>
             </a:r>
             <a:r>
               <a:rPr lang="en-US" dirty="0" err="1"/>
@@ -7196,7 +7255,15 @@
             </a:r>
             <a:r>
               <a:rPr lang="en-US" dirty="0" err="1"/>
-              <a:t>singurarity</a:t>
+              <a:t>Singurarity</a:t>
+            </a:r>
+            <a:r>
+              <a:rPr lang="en-US" dirty="0"/>
+              <a:t> </a:t>
+            </a:r>
+            <a:r>
+              <a:rPr lang="en-US" altLang="zh-CN" dirty="0"/>
+              <a:t>container</a:t>
             </a:r>
             <a:r>
               <a:rPr lang="en-US" dirty="0"/>
